--- a/HOW TO DISAGREE.pptx
+++ b/HOW TO DISAGREE.pptx
@@ -115,6 +115,11 @@
       </a:defRPr>
     </a:lvl9pPr>
   </p:defaultTextStyle>
+  <p:extLst>
+    <p:ext uri="{EFAFB233-063F-42B5-8137-9DF3F51BA10A}">
+      <p15:sldGuideLst xmlns:p15="http://schemas.microsoft.com/office/powerpoint/2012/main"/>
+    </p:ext>
+  </p:extLst>
 </p:presentation>
 </file>
 
@@ -3311,7 +3316,7 @@
             <a:fld id="{B61BEF0D-F0BB-DE4B-95CE-6DB70DBA9567}" type="datetimeFigureOut">
               <a:rPr lang="en-US" dirty="0"/>
               <a:pPr/>
-              <a:t>2/17/2022</a:t>
+              <a:t>2/18/2022</a:t>
             </a:fld>
             <a:endParaRPr lang="en-US" dirty="0"/>
           </a:p>
@@ -3559,7 +3564,7 @@
             <a:fld id="{B61BEF0D-F0BB-DE4B-95CE-6DB70DBA9567}" type="datetimeFigureOut">
               <a:rPr lang="en-US" dirty="0"/>
               <a:pPr/>
-              <a:t>2/17/2022</a:t>
+              <a:t>2/18/2022</a:t>
             </a:fld>
             <a:endParaRPr lang="en-US" dirty="0"/>
           </a:p>
@@ -3870,7 +3875,7 @@
             <a:fld id="{B61BEF0D-F0BB-DE4B-95CE-6DB70DBA9567}" type="datetimeFigureOut">
               <a:rPr lang="en-US" dirty="0"/>
               <a:pPr/>
-              <a:t>2/17/2022</a:t>
+              <a:t>2/18/2022</a:t>
             </a:fld>
             <a:endParaRPr lang="en-US" dirty="0"/>
           </a:p>
@@ -4194,7 +4199,7 @@
             <a:fld id="{B61BEF0D-F0BB-DE4B-95CE-6DB70DBA9567}" type="datetimeFigureOut">
               <a:rPr lang="en-US" dirty="0"/>
               <a:pPr/>
-              <a:t>2/17/2022</a:t>
+              <a:t>2/18/2022</a:t>
             </a:fld>
             <a:endParaRPr lang="en-US" dirty="0"/>
           </a:p>
@@ -4505,7 +4510,7 @@
             <a:fld id="{B61BEF0D-F0BB-DE4B-95CE-6DB70DBA9567}" type="datetimeFigureOut">
               <a:rPr lang="en-US" dirty="0"/>
               <a:pPr/>
-              <a:t>2/17/2022</a:t>
+              <a:t>2/18/2022</a:t>
             </a:fld>
             <a:endParaRPr lang="en-US" dirty="0"/>
           </a:p>
@@ -4889,7 +4894,7 @@
             <a:fld id="{B61BEF0D-F0BB-DE4B-95CE-6DB70DBA9567}" type="datetimeFigureOut">
               <a:rPr lang="en-US" dirty="0"/>
               <a:pPr/>
-              <a:t>2/17/2022</a:t>
+              <a:t>2/18/2022</a:t>
             </a:fld>
             <a:endParaRPr lang="en-US" dirty="0"/>
           </a:p>
@@ -5055,7 +5060,7 @@
           <a:p>
             <a:fld id="{55C6B4A9-1611-4792-9094-5F34BCA07E0B}" type="datetimeFigureOut">
               <a:rPr lang="en-US" dirty="0"/>
-              <a:t>2/17/2022</a:t>
+              <a:t>2/18/2022</a:t>
             </a:fld>
             <a:endParaRPr lang="en-US" dirty="0"/>
           </a:p>
@@ -5231,7 +5236,7 @@
             <a:fld id="{B61BEF0D-F0BB-DE4B-95CE-6DB70DBA9567}" type="datetimeFigureOut">
               <a:rPr lang="en-US" dirty="0"/>
               <a:pPr/>
-              <a:t>2/17/2022</a:t>
+              <a:t>2/18/2022</a:t>
             </a:fld>
             <a:endParaRPr lang="en-US" dirty="0"/>
           </a:p>
@@ -5404,7 +5409,7 @@
             <a:fld id="{B61BEF0D-F0BB-DE4B-95CE-6DB70DBA9567}" type="datetimeFigureOut">
               <a:rPr lang="en-US" dirty="0"/>
               <a:pPr/>
-              <a:t>2/17/2022</a:t>
+              <a:t>2/18/2022</a:t>
             </a:fld>
             <a:endParaRPr lang="en-US" dirty="0"/>
           </a:p>
@@ -5648,7 +5653,7 @@
             <a:fld id="{B61BEF0D-F0BB-DE4B-95CE-6DB70DBA9567}" type="datetimeFigureOut">
               <a:rPr lang="en-US" dirty="0"/>
               <a:pPr/>
-              <a:t>2/17/2022</a:t>
+              <a:t>2/18/2022</a:t>
             </a:fld>
             <a:endParaRPr lang="en-US" dirty="0"/>
           </a:p>
@@ -5876,7 +5881,7 @@
           <a:p>
             <a:fld id="{EB712588-04B1-427B-82EE-E8DB90309F08}" type="datetimeFigureOut">
               <a:rPr lang="en-US" dirty="0"/>
-              <a:t>2/17/2022</a:t>
+              <a:t>2/18/2022</a:t>
             </a:fld>
             <a:endParaRPr lang="en-US" dirty="0"/>
           </a:p>
@@ -6246,7 +6251,7 @@
             <a:fld id="{B61BEF0D-F0BB-DE4B-95CE-6DB70DBA9567}" type="datetimeFigureOut">
               <a:rPr lang="en-US" dirty="0"/>
               <a:pPr/>
-              <a:t>2/17/2022</a:t>
+              <a:t>2/18/2022</a:t>
             </a:fld>
             <a:endParaRPr lang="en-US" dirty="0"/>
           </a:p>
@@ -6366,7 +6371,7 @@
             <a:fld id="{B61BEF0D-F0BB-DE4B-95CE-6DB70DBA9567}" type="datetimeFigureOut">
               <a:rPr lang="en-US" dirty="0"/>
               <a:pPr/>
-              <a:t>2/17/2022</a:t>
+              <a:t>2/18/2022</a:t>
             </a:fld>
             <a:endParaRPr lang="en-US" dirty="0"/>
           </a:p>
@@ -6458,7 +6463,7 @@
             <a:fld id="{B61BEF0D-F0BB-DE4B-95CE-6DB70DBA9567}" type="datetimeFigureOut">
               <a:rPr lang="en-US" dirty="0"/>
               <a:pPr/>
-              <a:t>2/17/2022</a:t>
+              <a:t>2/18/2022</a:t>
             </a:fld>
             <a:endParaRPr lang="en-US" dirty="0"/>
           </a:p>
@@ -6709,7 +6714,7 @@
           <a:p>
             <a:fld id="{42A54C80-263E-416B-A8E0-580EDEADCBDC}" type="datetimeFigureOut">
               <a:rPr lang="en-US" dirty="0"/>
-              <a:t>2/17/2022</a:t>
+              <a:t>2/18/2022</a:t>
             </a:fld>
             <a:endParaRPr lang="en-US" dirty="0"/>
           </a:p>
@@ -6968,7 +6973,7 @@
             <a:fld id="{B61BEF0D-F0BB-DE4B-95CE-6DB70DBA9567}" type="datetimeFigureOut">
               <a:rPr lang="en-US" dirty="0"/>
               <a:pPr/>
-              <a:t>2/17/2022</a:t>
+              <a:t>2/18/2022</a:t>
             </a:fld>
             <a:endParaRPr lang="en-US" dirty="0"/>
           </a:p>
@@ -7710,7 +7715,7 @@
             <a:fld id="{B61BEF0D-F0BB-DE4B-95CE-6DB70DBA9567}" type="datetimeFigureOut">
               <a:rPr lang="en-US" dirty="0"/>
               <a:pPr/>
-              <a:t>2/17/2022</a:t>
+              <a:t>2/18/2022</a:t>
             </a:fld>
             <a:endParaRPr lang="en-US" dirty="0"/>
           </a:p>
@@ -9838,10 +9843,10 @@
       </p:grpSpPr>
       <p:grpSp>
         <p:nvGrpSpPr>
-          <p:cNvPr id="33" name="Group 32">
+          <p:cNvPr id="87" name="Group 86">
             <a:extLst>
               <a:ext uri="{FF2B5EF4-FFF2-40B4-BE49-F238E27FC236}">
-                <a16:creationId xmlns:a16="http://schemas.microsoft.com/office/drawing/2014/main" id="{3F993C45-B237-4CD5-A232-CD2DFFF5AB1E}"/>
+                <a16:creationId xmlns:a16="http://schemas.microsoft.com/office/drawing/2014/main" id="{6A761A44-A936-4382-8A16-7ED6A2903DD0}"/>
               </a:ext>
               <a:ext uri="{C183D7F6-B498-43B3-948B-1728B52AA6E4}">
                 <adec:decorative xmlns:adec="http://schemas.microsoft.com/office/drawing/2017/decorative" val="1"/>
@@ -9869,10 +9874,10 @@
         </p:grpSpPr>
         <p:cxnSp>
           <p:nvCxnSpPr>
-            <p:cNvPr id="76" name="Straight Connector 33">
+            <p:cNvPr id="88" name="Straight Connector 87">
               <a:extLst>
                 <a:ext uri="{FF2B5EF4-FFF2-40B4-BE49-F238E27FC236}">
-                  <a16:creationId xmlns:a16="http://schemas.microsoft.com/office/drawing/2014/main" id="{BE9EA4F6-F0E3-4DB3-8F82-B91A1F693A5D}"/>
+                  <a16:creationId xmlns:a16="http://schemas.microsoft.com/office/drawing/2014/main" id="{5459EE73-661E-48AA-A374-BF2B850F581A}"/>
                 </a:ext>
                 <a:ext uri="{C183D7F6-B498-43B3-948B-1728B52AA6E4}">
                   <adec:decorative xmlns:adec="http://schemas.microsoft.com/office/drawing/2017/decorative" val="1"/>
@@ -9922,10 +9927,10 @@
         </p:cxnSp>
         <p:cxnSp>
           <p:nvCxnSpPr>
-            <p:cNvPr id="35" name="Straight Connector 34">
+            <p:cNvPr id="89" name="Straight Connector 88">
               <a:extLst>
                 <a:ext uri="{FF2B5EF4-FFF2-40B4-BE49-F238E27FC236}">
-                  <a16:creationId xmlns:a16="http://schemas.microsoft.com/office/drawing/2014/main" id="{43A7345F-1794-4777-80F8-B67B01BE7F9E}"/>
+                  <a16:creationId xmlns:a16="http://schemas.microsoft.com/office/drawing/2014/main" id="{D653EA91-5E43-427F-B0AB-1B8A496BC633}"/>
                 </a:ext>
                 <a:ext uri="{C183D7F6-B498-43B3-948B-1728B52AA6E4}">
                   <adec:decorative xmlns:adec="http://schemas.microsoft.com/office/drawing/2017/decorative" val="1"/>
@@ -9975,10 +9980,10 @@
         </p:cxnSp>
         <p:sp>
           <p:nvSpPr>
-            <p:cNvPr id="36" name="Rectangle 23">
+            <p:cNvPr id="90" name="Rectangle 23">
               <a:extLst>
                 <a:ext uri="{FF2B5EF4-FFF2-40B4-BE49-F238E27FC236}">
-                  <a16:creationId xmlns:a16="http://schemas.microsoft.com/office/drawing/2014/main" id="{AEB4062E-9879-4D6E-8C9A-55D81D61C432}"/>
+                  <a16:creationId xmlns:a16="http://schemas.microsoft.com/office/drawing/2014/main" id="{57571081-E136-40F9-B123-3A16F53BEB16}"/>
                 </a:ext>
                 <a:ext uri="{C183D7F6-B498-43B3-948B-1728B52AA6E4}">
                   <adec:decorative xmlns:adec="http://schemas.microsoft.com/office/drawing/2017/decorative" val="1"/>
@@ -10053,10 +10058,10 @@
         </p:sp>
         <p:sp>
           <p:nvSpPr>
-            <p:cNvPr id="37" name="Rectangle 25">
+            <p:cNvPr id="91" name="Rectangle 25">
               <a:extLst>
                 <a:ext uri="{FF2B5EF4-FFF2-40B4-BE49-F238E27FC236}">
-                  <a16:creationId xmlns:a16="http://schemas.microsoft.com/office/drawing/2014/main" id="{E0E1E50E-9B56-49FC-AC93-34C80F4385C2}"/>
+                  <a16:creationId xmlns:a16="http://schemas.microsoft.com/office/drawing/2014/main" id="{73197C11-EFC2-4F71-BEFF-B7EE3EEFFB31}"/>
                 </a:ext>
                 <a:ext uri="{C183D7F6-B498-43B3-948B-1728B52AA6E4}">
                   <adec:decorative xmlns:adec="http://schemas.microsoft.com/office/drawing/2017/decorative" val="1"/>
@@ -10131,10 +10136,10 @@
         </p:sp>
         <p:sp>
           <p:nvSpPr>
-            <p:cNvPr id="38" name="Isosceles Triangle 37">
+            <p:cNvPr id="92" name="Isosceles Triangle 91">
               <a:extLst>
                 <a:ext uri="{FF2B5EF4-FFF2-40B4-BE49-F238E27FC236}">
-                  <a16:creationId xmlns:a16="http://schemas.microsoft.com/office/drawing/2014/main" id="{786CF095-2697-4E6D-832B-E71B7C8D6D98}"/>
+                  <a16:creationId xmlns:a16="http://schemas.microsoft.com/office/drawing/2014/main" id="{074C7561-7217-4DBC-8C63-2BB8560D62C1}"/>
                 </a:ext>
                 <a:ext uri="{C183D7F6-B498-43B3-948B-1728B52AA6E4}">
                   <adec:decorative xmlns:adec="http://schemas.microsoft.com/office/drawing/2017/decorative" val="1"/>
@@ -10187,10 +10192,10 @@
         </p:sp>
         <p:sp>
           <p:nvSpPr>
-            <p:cNvPr id="39" name="Rectangle 27">
+            <p:cNvPr id="93" name="Rectangle 27">
               <a:extLst>
                 <a:ext uri="{FF2B5EF4-FFF2-40B4-BE49-F238E27FC236}">
-                  <a16:creationId xmlns:a16="http://schemas.microsoft.com/office/drawing/2014/main" id="{A93A2EA0-D245-490B-A61D-8B32A8DF4962}"/>
+                  <a16:creationId xmlns:a16="http://schemas.microsoft.com/office/drawing/2014/main" id="{6EB4E4EC-EA7F-4A46-9AF5-7E3E4E543B3E}"/>
                 </a:ext>
                 <a:ext uri="{C183D7F6-B498-43B3-948B-1728B52AA6E4}">
                   <adec:decorative xmlns:adec="http://schemas.microsoft.com/office/drawing/2017/decorative" val="1"/>
@@ -10266,10 +10271,10 @@
         </p:sp>
         <p:sp>
           <p:nvSpPr>
-            <p:cNvPr id="40" name="Rectangle 28">
+            <p:cNvPr id="94" name="Rectangle 28">
               <a:extLst>
                 <a:ext uri="{FF2B5EF4-FFF2-40B4-BE49-F238E27FC236}">
-                  <a16:creationId xmlns:a16="http://schemas.microsoft.com/office/drawing/2014/main" id="{6BAC7BF2-009C-48C7-A7F2-2139B5079D9A}"/>
+                  <a16:creationId xmlns:a16="http://schemas.microsoft.com/office/drawing/2014/main" id="{9048D13B-C50D-4EF9-AB6D-86713B7D4383}"/>
                 </a:ext>
                 <a:ext uri="{C183D7F6-B498-43B3-948B-1728B52AA6E4}">
                   <adec:decorative xmlns:adec="http://schemas.microsoft.com/office/drawing/2017/decorative" val="1"/>
@@ -10346,10 +10351,10 @@
         </p:sp>
         <p:sp>
           <p:nvSpPr>
-            <p:cNvPr id="41" name="Rectangle 29">
+            <p:cNvPr id="95" name="Rectangle 29">
               <a:extLst>
                 <a:ext uri="{FF2B5EF4-FFF2-40B4-BE49-F238E27FC236}">
-                  <a16:creationId xmlns:a16="http://schemas.microsoft.com/office/drawing/2014/main" id="{7D60F62B-3828-4F12-B884-8A8925325131}"/>
+                  <a16:creationId xmlns:a16="http://schemas.microsoft.com/office/drawing/2014/main" id="{8213FFC7-C869-40A9-8DBD-B311B342E744}"/>
                 </a:ext>
                 <a:ext uri="{C183D7F6-B498-43B3-948B-1728B52AA6E4}">
                   <adec:decorative xmlns:adec="http://schemas.microsoft.com/office/drawing/2017/decorative" val="1"/>
@@ -10424,10 +10429,10 @@
         </p:sp>
         <p:sp>
           <p:nvSpPr>
-            <p:cNvPr id="42" name="Isosceles Triangle 41">
+            <p:cNvPr id="96" name="Isosceles Triangle 95">
               <a:extLst>
                 <a:ext uri="{FF2B5EF4-FFF2-40B4-BE49-F238E27FC236}">
-                  <a16:creationId xmlns:a16="http://schemas.microsoft.com/office/drawing/2014/main" id="{D8A41293-53F5-4380-B216-EB66A4353B6F}"/>
+                  <a16:creationId xmlns:a16="http://schemas.microsoft.com/office/drawing/2014/main" id="{A029FB91-93F5-4D40-9014-8D5108951E7D}"/>
                 </a:ext>
                 <a:ext uri="{C183D7F6-B498-43B3-948B-1728B52AA6E4}">
                   <adec:decorative xmlns:adec="http://schemas.microsoft.com/office/drawing/2017/decorative" val="1"/>
@@ -10480,10 +10485,10 @@
         </p:sp>
         <p:sp>
           <p:nvSpPr>
-            <p:cNvPr id="43" name="Isosceles Triangle 42">
+            <p:cNvPr id="97" name="Isosceles Triangle 96">
               <a:extLst>
                 <a:ext uri="{FF2B5EF4-FFF2-40B4-BE49-F238E27FC236}">
-                  <a16:creationId xmlns:a16="http://schemas.microsoft.com/office/drawing/2014/main" id="{A6DDE673-E05B-400B-B6E1-335E425D874B}"/>
+                  <a16:creationId xmlns:a16="http://schemas.microsoft.com/office/drawing/2014/main" id="{F6022FD2-DE49-41E6-B3BF-B113018CA2B5}"/>
                 </a:ext>
                 <a:ext uri="{C183D7F6-B498-43B3-948B-1728B52AA6E4}">
                   <adec:decorative xmlns:adec="http://schemas.microsoft.com/office/drawing/2017/decorative" val="1"/>
@@ -10535,550 +10540,62 @@
           </p:style>
         </p:sp>
       </p:grpSp>
-      <p:sp useBgFill="1">
-        <p:nvSpPr>
-          <p:cNvPr id="45" name="Rectangle 44">
+      <p:pic>
+        <p:nvPicPr>
+          <p:cNvPr id="83" name="Picture 82" descr="Light bulb on yellow background with sketched light beams and cord">
             <a:extLst>
               <a:ext uri="{FF2B5EF4-FFF2-40B4-BE49-F238E27FC236}">
-                <a16:creationId xmlns:a16="http://schemas.microsoft.com/office/drawing/2014/main" id="{0ADFFC45-3DC9-4433-926F-043E879D9DFC}"/>
-              </a:ext>
-              <a:ext uri="{C183D7F6-B498-43B3-948B-1728B52AA6E4}">
-                <adec:decorative xmlns:adec="http://schemas.microsoft.com/office/drawing/2017/decorative" val="1"/>
+                <a16:creationId xmlns:a16="http://schemas.microsoft.com/office/drawing/2014/main" id="{975FDDBA-0674-40CB-A7A8-08CB3E5CAB78}"/>
               </a:ext>
             </a:extLst>
           </p:cNvPr>
-          <p:cNvSpPr>
-            <a:spLocks noGrp="1" noRot="1" noChangeAspect="1" noMove="1" noResize="1" noEditPoints="1" noAdjustHandles="1" noChangeArrowheads="1" noChangeShapeType="1" noTextEdit="1"/>
-          </p:cNvSpPr>
-          <p:nvPr>
-            <p:extLst>
-              <p:ext uri="{386F3935-93C4-4BCD-93E2-E3B085C9AB24}">
-                <p16:designElem xmlns:p16="http://schemas.microsoft.com/office/powerpoint/2015/main" val="1"/>
-              </p:ext>
-            </p:extLst>
-          </p:nvPr>
-        </p:nvSpPr>
+          <p:cNvPicPr>
+            <a:picLocks noChangeAspect="1"/>
+          </p:cNvPicPr>
+          <p:nvPr/>
+        </p:nvPicPr>
+        <p:blipFill rotWithShape="1">
+          <a:blip r:embed="rId2"/>
+          <a:srcRect l="49328" r="2292"/>
+          <a:stretch/>
+        </p:blipFill>
         <p:spPr>
           <a:xfrm>
-            <a:off x="0" y="0"/>
-            <a:ext cx="12192000" cy="6858000"/>
+            <a:off x="20" y="-1"/>
+            <a:ext cx="5394940" cy="6858001"/>
           </a:xfrm>
-          <a:prstGeom prst="rect">
+          <a:custGeom>
             <a:avLst/>
-          </a:prstGeom>
-          <a:ln>
-            <a:noFill/>
-          </a:ln>
+            <a:gdLst/>
+            <a:ahLst/>
+            <a:cxnLst/>
+            <a:rect l="l" t="t" r="r" b="b"/>
+            <a:pathLst>
+              <a:path w="5394960" h="6858000">
+                <a:moveTo>
+                  <a:pt x="842596" y="0"/>
+                </a:moveTo>
+                <a:lnTo>
+                  <a:pt x="5394960" y="0"/>
+                </a:lnTo>
+                <a:lnTo>
+                  <a:pt x="5394960" y="21851"/>
+                </a:lnTo>
+                <a:lnTo>
+                  <a:pt x="4365943" y="6858000"/>
+                </a:lnTo>
+                <a:lnTo>
+                  <a:pt x="0" y="6858000"/>
+                </a:lnTo>
+                <a:lnTo>
+                  <a:pt x="0" y="5666154"/>
+                </a:lnTo>
+                <a:close/>
+              </a:path>
+            </a:pathLst>
+          </a:custGeom>
         </p:spPr>
-        <p:style>
-          <a:lnRef idx="2">
-            <a:schemeClr val="accent1">
-              <a:shade val="50000"/>
-            </a:schemeClr>
-          </a:lnRef>
-          <a:fillRef idx="1">
-            <a:schemeClr val="accent1"/>
-          </a:fillRef>
-          <a:effectRef idx="0">
-            <a:schemeClr val="accent1"/>
-          </a:effectRef>
-          <a:fontRef idx="minor">
-            <a:schemeClr val="lt1"/>
-          </a:fontRef>
-        </p:style>
-        <p:txBody>
-          <a:bodyPr rtlCol="0" anchor="ctr"/>
-          <a:lstStyle/>
-          <a:p>
-            <a:pPr algn="ctr"/>
-            <a:endParaRPr lang="en-US"/>
-          </a:p>
-        </p:txBody>
-      </p:sp>
-      <p:grpSp>
-        <p:nvGrpSpPr>
-          <p:cNvPr id="47" name="Group 46">
-            <a:extLst>
-              <a:ext uri="{FF2B5EF4-FFF2-40B4-BE49-F238E27FC236}">
-                <a16:creationId xmlns:a16="http://schemas.microsoft.com/office/drawing/2014/main" id="{B5F26A87-0610-435F-AA13-BD658385C9D9}"/>
-              </a:ext>
-              <a:ext uri="{C183D7F6-B498-43B3-948B-1728B52AA6E4}">
-                <adec:decorative xmlns:adec="http://schemas.microsoft.com/office/drawing/2017/decorative" val="1"/>
-              </a:ext>
-            </a:extLst>
-          </p:cNvPr>
-          <p:cNvGrpSpPr>
-            <a:grpSpLocks noGrp="1" noUngrp="1" noRot="1" noChangeAspect="1" noMove="1" noResize="1"/>
-          </p:cNvGrpSpPr>
-          <p:nvPr>
-            <p:extLst>
-              <p:ext uri="{386F3935-93C4-4BCD-93E2-E3B085C9AB24}">
-                <p16:designElem xmlns:p16="http://schemas.microsoft.com/office/powerpoint/2015/main" val="1"/>
-              </p:ext>
-            </p:extLst>
-          </p:nvPr>
-        </p:nvGrpSpPr>
-        <p:grpSpPr>
-          <a:xfrm>
-            <a:off x="4267230" y="-8468"/>
-            <a:ext cx="4763558" cy="6866467"/>
-            <a:chOff x="67175" y="-8467"/>
-            <a:chExt cx="4763558" cy="6866467"/>
-          </a:xfrm>
-        </p:grpSpPr>
-        <p:cxnSp>
-          <p:nvCxnSpPr>
-            <p:cNvPr id="77" name="Straight Connector 47">
-              <a:extLst>
-                <a:ext uri="{FF2B5EF4-FFF2-40B4-BE49-F238E27FC236}">
-                  <a16:creationId xmlns:a16="http://schemas.microsoft.com/office/drawing/2014/main" id="{E6321436-5AAD-4FB6-BB0D-316D4540E82A}"/>
-                </a:ext>
-                <a:ext uri="{C183D7F6-B498-43B3-948B-1728B52AA6E4}">
-                  <adec:decorative xmlns:adec="http://schemas.microsoft.com/office/drawing/2017/decorative" val="1"/>
-                </a:ext>
-              </a:extLst>
-            </p:cNvPr>
-            <p:cNvCxnSpPr/>
-            <p:nvPr>
-              <p:extLst>
-                <p:ext uri="{386F3935-93C4-4BCD-93E2-E3B085C9AB24}">
-                  <p16:designElem xmlns:p16="http://schemas.microsoft.com/office/powerpoint/2015/main" val="1"/>
-                </p:ext>
-              </p:extLst>
-            </p:nvPr>
-          </p:nvCxnSpPr>
-          <p:spPr>
-            <a:xfrm>
-              <a:off x="1520012" y="0"/>
-              <a:ext cx="1219200" cy="6858000"/>
-            </a:xfrm>
-            <a:prstGeom prst="line">
-              <a:avLst/>
-            </a:prstGeom>
-            <a:ln w="9525">
-              <a:solidFill>
-                <a:schemeClr val="accent1">
-                  <a:lumMod val="75000"/>
-                </a:schemeClr>
-              </a:solidFill>
-            </a:ln>
-          </p:spPr>
-          <p:style>
-            <a:lnRef idx="2">
-              <a:schemeClr val="accent1"/>
-            </a:lnRef>
-            <a:fillRef idx="0">
-              <a:schemeClr val="accent1"/>
-            </a:fillRef>
-            <a:effectRef idx="1">
-              <a:schemeClr val="accent1"/>
-            </a:effectRef>
-            <a:fontRef idx="minor">
-              <a:schemeClr val="tx1"/>
-            </a:fontRef>
-          </p:style>
-        </p:cxnSp>
-        <p:cxnSp>
-          <p:nvCxnSpPr>
-            <p:cNvPr id="49" name="Straight Connector 48">
-              <a:extLst>
-                <a:ext uri="{FF2B5EF4-FFF2-40B4-BE49-F238E27FC236}">
-                  <a16:creationId xmlns:a16="http://schemas.microsoft.com/office/drawing/2014/main" id="{94B0BD33-3D46-4F43-947A-825DFEF6106A}"/>
-                </a:ext>
-                <a:ext uri="{C183D7F6-B498-43B3-948B-1728B52AA6E4}">
-                  <adec:decorative xmlns:adec="http://schemas.microsoft.com/office/drawing/2017/decorative" val="1"/>
-                </a:ext>
-              </a:extLst>
-            </p:cNvPr>
-            <p:cNvCxnSpPr/>
-            <p:nvPr>
-              <p:extLst>
-                <p:ext uri="{386F3935-93C4-4BCD-93E2-E3B085C9AB24}">
-                  <p16:designElem xmlns:p16="http://schemas.microsoft.com/office/powerpoint/2015/main" val="1"/>
-                </p:ext>
-              </p:extLst>
-            </p:nvPr>
-          </p:nvCxnSpPr>
-          <p:spPr>
-            <a:xfrm flipH="1">
-              <a:off x="67175" y="3681413"/>
-              <a:ext cx="4763558" cy="3176587"/>
-            </a:xfrm>
-            <a:prstGeom prst="line">
-              <a:avLst/>
-            </a:prstGeom>
-            <a:ln w="9525">
-              <a:solidFill>
-                <a:schemeClr val="tx1">
-                  <a:lumMod val="50000"/>
-                  <a:lumOff val="50000"/>
-                  <a:alpha val="80000"/>
-                </a:schemeClr>
-              </a:solidFill>
-            </a:ln>
-          </p:spPr>
-          <p:style>
-            <a:lnRef idx="2">
-              <a:schemeClr val="accent1"/>
-            </a:lnRef>
-            <a:fillRef idx="0">
-              <a:schemeClr val="accent1"/>
-            </a:fillRef>
-            <a:effectRef idx="1">
-              <a:schemeClr val="accent1"/>
-            </a:effectRef>
-            <a:fontRef idx="minor">
-              <a:schemeClr val="tx1"/>
-            </a:fontRef>
-          </p:style>
-        </p:cxnSp>
-        <p:sp>
-          <p:nvSpPr>
-            <p:cNvPr id="78" name="Rectangle 23">
-              <a:extLst>
-                <a:ext uri="{FF2B5EF4-FFF2-40B4-BE49-F238E27FC236}">
-                  <a16:creationId xmlns:a16="http://schemas.microsoft.com/office/drawing/2014/main" id="{92E26C27-E1F5-47DC-9F83-469D196C55D0}"/>
-                </a:ext>
-                <a:ext uri="{C183D7F6-B498-43B3-948B-1728B52AA6E4}">
-                  <adec:decorative xmlns:adec="http://schemas.microsoft.com/office/drawing/2017/decorative" val="1"/>
-                </a:ext>
-              </a:extLst>
-            </p:cNvPr>
-            <p:cNvSpPr/>
-            <p:nvPr>
-              <p:extLst>
-                <p:ext uri="{386F3935-93C4-4BCD-93E2-E3B085C9AB24}">
-                  <p16:designElem xmlns:p16="http://schemas.microsoft.com/office/powerpoint/2015/main" val="1"/>
-                </p:ext>
-              </p:extLst>
-            </p:nvPr>
-          </p:nvSpPr>
-          <p:spPr>
-            <a:xfrm>
-              <a:off x="1258764" y="-8467"/>
-              <a:ext cx="3007349" cy="6866467"/>
-            </a:xfrm>
-            <a:custGeom>
-              <a:avLst/>
-              <a:gdLst/>
-              <a:ahLst/>
-              <a:cxnLst/>
-              <a:rect l="l" t="t" r="r" b="b"/>
-              <a:pathLst>
-                <a:path w="3007349" h="6866467">
-                  <a:moveTo>
-                    <a:pt x="2045532" y="0"/>
-                  </a:moveTo>
-                  <a:lnTo>
-                    <a:pt x="3007349" y="0"/>
-                  </a:lnTo>
-                  <a:lnTo>
-                    <a:pt x="3007349" y="6866467"/>
-                  </a:lnTo>
-                  <a:lnTo>
-                    <a:pt x="0" y="6866467"/>
-                  </a:lnTo>
-                  <a:lnTo>
-                    <a:pt x="2045532" y="0"/>
-                  </a:lnTo>
-                  <a:close/>
-                </a:path>
-              </a:pathLst>
-            </a:custGeom>
-            <a:solidFill>
-              <a:schemeClr val="accent1">
-                <a:alpha val="30000"/>
-              </a:schemeClr>
-            </a:solidFill>
-            <a:ln>
-              <a:noFill/>
-            </a:ln>
-            <a:effectLst/>
-          </p:spPr>
-          <p:style>
-            <a:lnRef idx="1">
-              <a:schemeClr val="accent1"/>
-            </a:lnRef>
-            <a:fillRef idx="3">
-              <a:schemeClr val="accent1"/>
-            </a:fillRef>
-            <a:effectRef idx="2">
-              <a:schemeClr val="accent1"/>
-            </a:effectRef>
-            <a:fontRef idx="minor">
-              <a:schemeClr val="lt1"/>
-            </a:fontRef>
-          </p:style>
-        </p:sp>
-        <p:sp>
-          <p:nvSpPr>
-            <p:cNvPr id="51" name="Rectangle 25">
-              <a:extLst>
-                <a:ext uri="{FF2B5EF4-FFF2-40B4-BE49-F238E27FC236}">
-                  <a16:creationId xmlns:a16="http://schemas.microsoft.com/office/drawing/2014/main" id="{95F944E7-2B4E-4AE2-B4DB-846FF8AE0B7A}"/>
-                </a:ext>
-                <a:ext uri="{C183D7F6-B498-43B3-948B-1728B52AA6E4}">
-                  <adec:decorative xmlns:adec="http://schemas.microsoft.com/office/drawing/2017/decorative" val="1"/>
-                </a:ext>
-              </a:extLst>
-            </p:cNvPr>
-            <p:cNvSpPr/>
-            <p:nvPr>
-              <p:extLst>
-                <p:ext uri="{386F3935-93C4-4BCD-93E2-E3B085C9AB24}">
-                  <p16:designElem xmlns:p16="http://schemas.microsoft.com/office/powerpoint/2015/main" val="1"/>
-                </p:ext>
-              </p:extLst>
-            </p:nvPr>
-          </p:nvSpPr>
-          <p:spPr>
-            <a:xfrm>
-              <a:off x="1680730" y="-8467"/>
-              <a:ext cx="2588558" cy="6866467"/>
-            </a:xfrm>
-            <a:custGeom>
-              <a:avLst/>
-              <a:gdLst/>
-              <a:ahLst/>
-              <a:cxnLst/>
-              <a:rect l="l" t="t" r="r" b="b"/>
-              <a:pathLst>
-                <a:path w="2573311" h="6866467">
-                  <a:moveTo>
-                    <a:pt x="0" y="0"/>
-                  </a:moveTo>
-                  <a:lnTo>
-                    <a:pt x="2573311" y="0"/>
-                  </a:lnTo>
-                  <a:lnTo>
-                    <a:pt x="2573311" y="6866467"/>
-                  </a:lnTo>
-                  <a:lnTo>
-                    <a:pt x="1202336" y="6866467"/>
-                  </a:lnTo>
-                  <a:lnTo>
-                    <a:pt x="0" y="0"/>
-                  </a:lnTo>
-                  <a:close/>
-                </a:path>
-              </a:pathLst>
-            </a:custGeom>
-            <a:solidFill>
-              <a:schemeClr val="accent1">
-                <a:alpha val="20000"/>
-              </a:schemeClr>
-            </a:solidFill>
-            <a:ln>
-              <a:noFill/>
-            </a:ln>
-            <a:effectLst/>
-          </p:spPr>
-          <p:style>
-            <a:lnRef idx="1">
-              <a:schemeClr val="accent1"/>
-            </a:lnRef>
-            <a:fillRef idx="3">
-              <a:schemeClr val="accent1"/>
-            </a:fillRef>
-            <a:effectRef idx="2">
-              <a:schemeClr val="accent1"/>
-            </a:effectRef>
-            <a:fontRef idx="minor">
-              <a:schemeClr val="lt1"/>
-            </a:fontRef>
-          </p:style>
-        </p:sp>
-        <p:sp>
-          <p:nvSpPr>
-            <p:cNvPr id="79" name="Isosceles Triangle 51">
-              <a:extLst>
-                <a:ext uri="{FF2B5EF4-FFF2-40B4-BE49-F238E27FC236}">
-                  <a16:creationId xmlns:a16="http://schemas.microsoft.com/office/drawing/2014/main" id="{FF14952D-390F-46CC-B302-73DDD9C4160F}"/>
-                </a:ext>
-                <a:ext uri="{C183D7F6-B498-43B3-948B-1728B52AA6E4}">
-                  <adec:decorative xmlns:adec="http://schemas.microsoft.com/office/drawing/2017/decorative" val="1"/>
-                </a:ext>
-              </a:extLst>
-            </p:cNvPr>
-            <p:cNvSpPr/>
-            <p:nvPr>
-              <p:extLst>
-                <p:ext uri="{386F3935-93C4-4BCD-93E2-E3B085C9AB24}">
-                  <p16:designElem xmlns:p16="http://schemas.microsoft.com/office/powerpoint/2015/main" val="1"/>
-                </p:ext>
-              </p:extLst>
-            </p:nvPr>
-          </p:nvSpPr>
-          <p:spPr>
-            <a:xfrm>
-              <a:off x="1009621" y="3048000"/>
-              <a:ext cx="3259667" cy="3810000"/>
-            </a:xfrm>
-            <a:prstGeom prst="triangle">
-              <a:avLst>
-                <a:gd name="adj" fmla="val 100000"/>
-              </a:avLst>
-            </a:prstGeom>
-            <a:solidFill>
-              <a:schemeClr val="accent2">
-                <a:alpha val="72000"/>
-              </a:schemeClr>
-            </a:solidFill>
-            <a:ln>
-              <a:noFill/>
-            </a:ln>
-            <a:effectLst/>
-          </p:spPr>
-          <p:style>
-            <a:lnRef idx="1">
-              <a:schemeClr val="accent1"/>
-            </a:lnRef>
-            <a:fillRef idx="3">
-              <a:schemeClr val="accent1"/>
-            </a:fillRef>
-            <a:effectRef idx="2">
-              <a:schemeClr val="accent1"/>
-            </a:effectRef>
-            <a:fontRef idx="minor">
-              <a:schemeClr val="lt1"/>
-            </a:fontRef>
-          </p:style>
-        </p:sp>
-        <p:sp>
-          <p:nvSpPr>
-            <p:cNvPr id="53" name="Rectangle 27">
-              <a:extLst>
-                <a:ext uri="{FF2B5EF4-FFF2-40B4-BE49-F238E27FC236}">
-                  <a16:creationId xmlns:a16="http://schemas.microsoft.com/office/drawing/2014/main" id="{867CDE55-B22A-40D0-882A-9452919EEC28}"/>
-                </a:ext>
-                <a:ext uri="{C183D7F6-B498-43B3-948B-1728B52AA6E4}">
-                  <adec:decorative xmlns:adec="http://schemas.microsoft.com/office/drawing/2017/decorative" val="1"/>
-                </a:ext>
-              </a:extLst>
-            </p:cNvPr>
-            <p:cNvSpPr/>
-            <p:nvPr>
-              <p:extLst>
-                <p:ext uri="{386F3935-93C4-4BCD-93E2-E3B085C9AB24}">
-                  <p16:designElem xmlns:p16="http://schemas.microsoft.com/office/powerpoint/2015/main" val="1"/>
-                </p:ext>
-              </p:extLst>
-            </p:nvPr>
-          </p:nvSpPr>
-          <p:spPr>
-            <a:xfrm>
-              <a:off x="1411788" y="-8467"/>
-              <a:ext cx="2854326" cy="6866467"/>
-            </a:xfrm>
-            <a:custGeom>
-              <a:avLst/>
-              <a:gdLst/>
-              <a:ahLst/>
-              <a:cxnLst/>
-              <a:rect l="l" t="t" r="r" b="b"/>
-              <a:pathLst>
-                <a:path w="2858013" h="6866467">
-                  <a:moveTo>
-                    <a:pt x="0" y="0"/>
-                  </a:moveTo>
-                  <a:lnTo>
-                    <a:pt x="2858013" y="0"/>
-                  </a:lnTo>
-                  <a:lnTo>
-                    <a:pt x="2858013" y="6866467"/>
-                  </a:lnTo>
-                  <a:lnTo>
-                    <a:pt x="2473942" y="6866467"/>
-                  </a:lnTo>
-                  <a:lnTo>
-                    <a:pt x="0" y="0"/>
-                  </a:lnTo>
-                  <a:close/>
-                </a:path>
-              </a:pathLst>
-            </a:custGeom>
-            <a:solidFill>
-              <a:schemeClr val="accent2">
-                <a:alpha val="70000"/>
-              </a:schemeClr>
-            </a:solidFill>
-            <a:ln>
-              <a:noFill/>
-            </a:ln>
-            <a:effectLst/>
-          </p:spPr>
-          <p:style>
-            <a:lnRef idx="1">
-              <a:schemeClr val="accent1"/>
-            </a:lnRef>
-            <a:fillRef idx="3">
-              <a:schemeClr val="accent1"/>
-            </a:fillRef>
-            <a:effectRef idx="2">
-              <a:schemeClr val="accent1"/>
-            </a:effectRef>
-            <a:fontRef idx="minor">
-              <a:schemeClr val="lt1"/>
-            </a:fontRef>
-          </p:style>
-        </p:sp>
-        <p:sp>
-          <p:nvSpPr>
-            <p:cNvPr id="80" name="Isosceles Triangle 53">
-              <a:extLst>
-                <a:ext uri="{FF2B5EF4-FFF2-40B4-BE49-F238E27FC236}">
-                  <a16:creationId xmlns:a16="http://schemas.microsoft.com/office/drawing/2014/main" id="{8C409231-C942-4808-B529-DAC32A7DB002}"/>
-                </a:ext>
-                <a:ext uri="{C183D7F6-B498-43B3-948B-1728B52AA6E4}">
-                  <adec:decorative xmlns:adec="http://schemas.microsoft.com/office/drawing/2017/decorative" val="1"/>
-                </a:ext>
-              </a:extLst>
-            </p:cNvPr>
-            <p:cNvSpPr/>
-            <p:nvPr>
-              <p:extLst>
-                <p:ext uri="{386F3935-93C4-4BCD-93E2-E3B085C9AB24}">
-                  <p16:designElem xmlns:p16="http://schemas.microsoft.com/office/powerpoint/2015/main" val="1"/>
-                </p:ext>
-              </p:extLst>
-            </p:nvPr>
-          </p:nvSpPr>
-          <p:spPr>
-            <a:xfrm>
-              <a:off x="2448954" y="3589867"/>
-              <a:ext cx="1817159" cy="3268133"/>
-            </a:xfrm>
-            <a:prstGeom prst="triangle">
-              <a:avLst>
-                <a:gd name="adj" fmla="val 100000"/>
-              </a:avLst>
-            </a:prstGeom>
-            <a:solidFill>
-              <a:schemeClr val="accent1">
-                <a:alpha val="80000"/>
-              </a:schemeClr>
-            </a:solidFill>
-            <a:ln>
-              <a:noFill/>
-            </a:ln>
-            <a:effectLst/>
-          </p:spPr>
-          <p:style>
-            <a:lnRef idx="1">
-              <a:schemeClr val="accent1"/>
-            </a:lnRef>
-            <a:fillRef idx="3">
-              <a:schemeClr val="accent1"/>
-            </a:fillRef>
-            <a:effectRef idx="2">
-              <a:schemeClr val="accent1"/>
-            </a:effectRef>
-            <a:fontRef idx="minor">
-              <a:schemeClr val="lt1"/>
-            </a:fontRef>
-          </p:style>
-        </p:sp>
-      </p:grpSp>
+      </p:pic>
       <p:sp>
         <p:nvSpPr>
           <p:cNvPr id="28" name="Titolo 1">
@@ -11097,157 +10614,36 @@
         </p:nvSpPr>
         <p:spPr>
           <a:xfrm>
-            <a:off x="328121" y="1682751"/>
-            <a:ext cx="5096060" cy="4307148"/>
+            <a:off x="5380563" y="1678665"/>
+            <a:ext cx="3987275" cy="2372168"/>
           </a:xfrm>
         </p:spPr>
         <p:txBody>
-          <a:bodyPr vert="horz" lIns="91440" tIns="45720" rIns="91440" bIns="45720" rtlCol="0" anchor="ctr">
+          <a:bodyPr vert="horz" lIns="91440" tIns="45720" rIns="91440" bIns="45720" rtlCol="0" anchor="b">
             <a:normAutofit/>
           </a:bodyPr>
           <a:lstStyle/>
           <a:p>
-            <a:pPr algn="r"/>
-            <a:r>
-              <a:rPr lang="en-US" sz="5400" dirty="0"/>
+            <a:pPr algn="r">
+              <a:lnSpc>
+                <a:spcPct val="90000"/>
+              </a:lnSpc>
+            </a:pPr>
+            <a:r>
+              <a:rPr lang="en-US" sz="3800" dirty="0"/>
               <a:t>CONCLUSIONS</a:t>
             </a:r>
             <a:br>
-              <a:rPr lang="en-US" sz="5400" dirty="0"/>
+              <a:rPr lang="en-US" sz="3800" dirty="0"/>
             </a:br>
-            <a:endParaRPr lang="en-US" sz="5400" dirty="0"/>
-          </a:p>
-        </p:txBody>
-      </p:sp>
-      <p:sp>
-        <p:nvSpPr>
-          <p:cNvPr id="81" name="Freeform: Shape 55">
-            <a:extLst>
-              <a:ext uri="{FF2B5EF4-FFF2-40B4-BE49-F238E27FC236}">
-                <a16:creationId xmlns:a16="http://schemas.microsoft.com/office/drawing/2014/main" id="{69370F01-B8C9-4CE4-824C-92B2792E6ED0}"/>
-              </a:ext>
-              <a:ext uri="{C183D7F6-B498-43B3-948B-1728B52AA6E4}">
-                <adec:decorative xmlns:adec="http://schemas.microsoft.com/office/drawing/2017/decorative" val="1"/>
-              </a:ext>
-            </a:extLst>
-          </p:cNvPr>
-          <p:cNvSpPr>
-            <a:spLocks noGrp="1" noRot="1" noChangeAspect="1" noMove="1" noResize="1" noEditPoints="1" noAdjustHandles="1" noChangeArrowheads="1" noChangeShapeType="1" noTextEdit="1"/>
-          </p:cNvSpPr>
-          <p:nvPr>
-            <p:extLst>
-              <p:ext uri="{386F3935-93C4-4BCD-93E2-E3B085C9AB24}">
-                <p16:designElem xmlns:p16="http://schemas.microsoft.com/office/powerpoint/2015/main" val="1"/>
-              </p:ext>
-            </p:extLst>
-          </p:nvPr>
-        </p:nvSpPr>
-        <p:spPr>
-          <a:xfrm>
-            <a:off x="7136497" y="-8468"/>
-            <a:ext cx="5074930" cy="6866468"/>
-          </a:xfrm>
-          <a:custGeom>
-            <a:avLst/>
-            <a:gdLst>
-              <a:gd name="connsiteX0" fmla="*/ 0 w 5074930"/>
-              <a:gd name="connsiteY0" fmla="*/ 0 h 6858000"/>
-              <a:gd name="connsiteX1" fmla="*/ 1249825 w 5074930"/>
-              <a:gd name="connsiteY1" fmla="*/ 0 h 6858000"/>
-              <a:gd name="connsiteX2" fmla="*/ 1249825 w 5074930"/>
-              <a:gd name="connsiteY2" fmla="*/ 8457 h 6858000"/>
-              <a:gd name="connsiteX3" fmla="*/ 5074930 w 5074930"/>
-              <a:gd name="connsiteY3" fmla="*/ 8457 h 6858000"/>
-              <a:gd name="connsiteX4" fmla="*/ 5074930 w 5074930"/>
-              <a:gd name="connsiteY4" fmla="*/ 6858000 h 6858000"/>
-              <a:gd name="connsiteX5" fmla="*/ 1249825 w 5074930"/>
-              <a:gd name="connsiteY5" fmla="*/ 6858000 h 6858000"/>
-              <a:gd name="connsiteX6" fmla="*/ 1109383 w 5074930"/>
-              <a:gd name="connsiteY6" fmla="*/ 6858000 h 6858000"/>
-            </a:gdLst>
-            <a:ahLst/>
-            <a:cxnLst>
-              <a:cxn ang="0">
-                <a:pos x="connsiteX0" y="connsiteY0"/>
-              </a:cxn>
-              <a:cxn ang="0">
-                <a:pos x="connsiteX1" y="connsiteY1"/>
-              </a:cxn>
-              <a:cxn ang="0">
-                <a:pos x="connsiteX2" y="connsiteY2"/>
-              </a:cxn>
-              <a:cxn ang="0">
-                <a:pos x="connsiteX3" y="connsiteY3"/>
-              </a:cxn>
-              <a:cxn ang="0">
-                <a:pos x="connsiteX4" y="connsiteY4"/>
-              </a:cxn>
-              <a:cxn ang="0">
-                <a:pos x="connsiteX5" y="connsiteY5"/>
-              </a:cxn>
-              <a:cxn ang="0">
-                <a:pos x="connsiteX6" y="connsiteY6"/>
-              </a:cxn>
-            </a:cxnLst>
-            <a:rect l="l" t="t" r="r" b="b"/>
-            <a:pathLst>
-              <a:path w="5074930" h="6858000">
-                <a:moveTo>
-                  <a:pt x="0" y="0"/>
-                </a:moveTo>
-                <a:lnTo>
-                  <a:pt x="1249825" y="0"/>
-                </a:lnTo>
-                <a:lnTo>
-                  <a:pt x="1249825" y="8457"/>
-                </a:lnTo>
-                <a:lnTo>
-                  <a:pt x="5074930" y="8457"/>
-                </a:lnTo>
-                <a:lnTo>
-                  <a:pt x="5074930" y="6858000"/>
-                </a:lnTo>
-                <a:lnTo>
-                  <a:pt x="1249825" y="6858000"/>
-                </a:lnTo>
-                <a:lnTo>
-                  <a:pt x="1109383" y="6858000"/>
-                </a:lnTo>
-                <a:close/>
-              </a:path>
-            </a:pathLst>
-          </a:custGeom>
-          <a:solidFill>
-            <a:schemeClr val="accent1"/>
-          </a:solidFill>
-          <a:ln>
-            <a:noFill/>
-          </a:ln>
-        </p:spPr>
-        <p:style>
-          <a:lnRef idx="2">
-            <a:schemeClr val="accent1">
-              <a:shade val="50000"/>
-            </a:schemeClr>
-          </a:lnRef>
-          <a:fillRef idx="1">
-            <a:schemeClr val="accent1"/>
-          </a:fillRef>
-          <a:effectRef idx="0">
-            <a:schemeClr val="accent1"/>
-          </a:effectRef>
-          <a:fontRef idx="minor">
-            <a:schemeClr val="lt1"/>
-          </a:fontRef>
-        </p:style>
-        <p:txBody>
-          <a:bodyPr wrap="square" rtlCol="0" anchor="ctr">
-            <a:noAutofit/>
-          </a:bodyPr>
-          <a:lstStyle/>
-          <a:p>
-            <a:pPr algn="ctr"/>
-            <a:endParaRPr lang="en-US"/>
+            <a:r>
+              <a:rPr lang="en-US" sz="3800" dirty="0"/>
+              <a:t>AND FUTURE WORKS</a:t>
+            </a:r>
+            <a:br>
+              <a:rPr lang="en-US" sz="3800" dirty="0"/>
+            </a:br>
+            <a:endParaRPr lang="en-US" sz="3800" dirty="0"/>
           </a:p>
         </p:txBody>
       </p:sp>
